--- a/arch/awu/AWUMobility.pptx
+++ b/arch/awu/AWUMobility.pptx
@@ -163,6 +163,46 @@
       </a:defRPr>
     </a:lvl9pPr>
   </p:defaultTextStyle>
+  <p:extLst>
+    <p:ext uri="{EFAFB233-063F-42B5-8137-9DF3F51BA10A}">
+      <p15:sldGuideLst xmlns:p15="http://schemas.microsoft.com/office/powerpoint/2012/main">
+        <p15:guide id="1" orient="horz" pos="1207">
+          <p15:clr>
+            <a:srgbClr val="A4A3A4"/>
+          </p15:clr>
+        </p15:guide>
+        <p15:guide id="2" orient="horz" pos="3007">
+          <p15:clr>
+            <a:srgbClr val="A4A3A4"/>
+          </p15:clr>
+        </p15:guide>
+        <p15:guide id="3" orient="horz" pos="437">
+          <p15:clr>
+            <a:srgbClr val="A4A3A4"/>
+          </p15:clr>
+        </p15:guide>
+        <p15:guide id="4" pos="369">
+          <p15:clr>
+            <a:srgbClr val="A4A3A4"/>
+          </p15:clr>
+        </p15:guide>
+      </p15:sldGuideLst>
+    </p:ext>
+    <p:ext uri="{2D200454-40CA-4A62-9FC3-DE9A4176ACB9}">
+      <p15:notesGuideLst xmlns:p15="http://schemas.microsoft.com/office/powerpoint/2012/main">
+        <p15:guide id="1" orient="horz" pos="2905">
+          <p15:clr>
+            <a:srgbClr val="A4A3A4"/>
+          </p15:clr>
+        </p15:guide>
+        <p15:guide id="2" pos="2206">
+          <p15:clr>
+            <a:srgbClr val="A4A3A4"/>
+          </p15:clr>
+        </p15:guide>
+      </p15:notesGuideLst>
+    </p:ext>
+  </p:extLst>
 </p:presentation>
 </file>
 
@@ -3553,24 +3593,14 @@
         <p:spPr>
           <a:xfrm>
             <a:off x="425450" y="4240213"/>
-            <a:ext cx="8293100" cy="615950"/>
+            <a:ext cx="8293100" cy="353943"/>
           </a:xfrm>
         </p:spPr>
         <p:txBody>
           <a:bodyPr/>
           <a:lstStyle/>
           <a:p>
-            <a:r>
-              <a:rPr lang="en-US" smtClean="0"/>
-              <a:t>Rob Byrd</a:t>
-            </a:r>
-            <a:br>
-              <a:rPr lang="en-US" smtClean="0"/>
-            </a:br>
-            <a:r>
-              <a:rPr lang="en-US" smtClean="0"/>
-              <a:t>rob.byrd@austintexas.gov</a:t>
-            </a:r>
+            <a:endParaRPr lang="en-US" dirty="0" smtClean="0"/>
           </a:p>
         </p:txBody>
       </p:sp>
@@ -8091,15 +8121,6 @@
                 <a:tailEnd/>
               </a14:hiddenLine>
             </a:ext>
-            <a:ext uri="{AF507438-7753-43E0-B8FC-AC1667EBCBE1}">
-              <a14:hiddenEffects xmlns:a14="http://schemas.microsoft.com/office/drawing/2010/main">
-                <a:effectLst>
-                  <a:outerShdw dist="35921" dir="2700000" algn="ctr" rotWithShape="0">
-                    <a:schemeClr val="bg2"/>
-                  </a:outerShdw>
-                </a:effectLst>
-              </a14:hiddenEffects>
-            </a:ext>
           </a:extLst>
         </p:spPr>
       </p:pic>
@@ -8352,11 +8373,7 @@
           <a:p>
             <a:r>
               <a:rPr lang="en-US" dirty="0" smtClean="0"/>
-              <a:t>System Context </a:t>
-            </a:r>
-            <a:r>
-              <a:rPr lang="en-US" dirty="0" smtClean="0"/>
-              <a:t>Diagram </a:t>
+              <a:t>System Context Diagram </a:t>
             </a:r>
             <a:r>
               <a:rPr lang="en-US" sz="2000" dirty="0" smtClean="0"/>
@@ -8988,11 +9005,7 @@
           <a:p>
             <a:r>
               <a:rPr lang="en-US" dirty="0" smtClean="0"/>
-              <a:t>System Sequence </a:t>
-            </a:r>
-            <a:r>
-              <a:rPr lang="en-US" dirty="0" smtClean="0"/>
-              <a:t>Diagram </a:t>
+              <a:t>System Sequence Diagram </a:t>
             </a:r>
             <a:r>
               <a:rPr lang="en-US" sz="2000" dirty="0" smtClean="0"/>
